--- a/RWorkshopBonus-AbstractOrientation.pptx
+++ b/RWorkshopBonus-AbstractOrientation.pptx
@@ -313,7 +313,7 @@
           <a:p>
             <a:fld id="{17C56B74-080E-4B5F-9FC6-14C2AADA9F3A}" type="datetimeFigureOut">
               <a:rPr lang="en-US" smtClean="0"/>
-              <a:t>1/7/21</a:t>
+              <a:t>5/3/21</a:t>
             </a:fld>
             <a:endParaRPr lang="en-US"/>
           </a:p>
@@ -481,7 +481,7 @@
           <a:p>
             <a:fld id="{17C56B74-080E-4B5F-9FC6-14C2AADA9F3A}" type="datetimeFigureOut">
               <a:rPr lang="en-US" smtClean="0"/>
-              <a:t>1/7/21</a:t>
+              <a:t>5/3/21</a:t>
             </a:fld>
             <a:endParaRPr lang="en-US"/>
           </a:p>
@@ -659,7 +659,7 @@
           <a:p>
             <a:fld id="{17C56B74-080E-4B5F-9FC6-14C2AADA9F3A}" type="datetimeFigureOut">
               <a:rPr lang="en-US" smtClean="0"/>
-              <a:t>1/7/21</a:t>
+              <a:t>5/3/21</a:t>
             </a:fld>
             <a:endParaRPr lang="en-US"/>
           </a:p>
@@ -827,7 +827,7 @@
           <a:p>
             <a:fld id="{17C56B74-080E-4B5F-9FC6-14C2AADA9F3A}" type="datetimeFigureOut">
               <a:rPr lang="en-US" smtClean="0"/>
-              <a:t>1/7/21</a:t>
+              <a:t>5/3/21</a:t>
             </a:fld>
             <a:endParaRPr lang="en-US"/>
           </a:p>
@@ -1072,7 +1072,7 @@
           <a:p>
             <a:fld id="{17C56B74-080E-4B5F-9FC6-14C2AADA9F3A}" type="datetimeFigureOut">
               <a:rPr lang="en-US" smtClean="0"/>
-              <a:t>1/7/21</a:t>
+              <a:t>5/3/21</a:t>
             </a:fld>
             <a:endParaRPr lang="en-US"/>
           </a:p>
@@ -1357,7 +1357,7 @@
           <a:p>
             <a:fld id="{17C56B74-080E-4B5F-9FC6-14C2AADA9F3A}" type="datetimeFigureOut">
               <a:rPr lang="en-US" smtClean="0"/>
-              <a:t>1/7/21</a:t>
+              <a:t>5/3/21</a:t>
             </a:fld>
             <a:endParaRPr lang="en-US"/>
           </a:p>
@@ -1776,7 +1776,7 @@
           <a:p>
             <a:fld id="{17C56B74-080E-4B5F-9FC6-14C2AADA9F3A}" type="datetimeFigureOut">
               <a:rPr lang="en-US" smtClean="0"/>
-              <a:t>1/7/21</a:t>
+              <a:t>5/3/21</a:t>
             </a:fld>
             <a:endParaRPr lang="en-US"/>
           </a:p>
@@ -1893,7 +1893,7 @@
           <a:p>
             <a:fld id="{17C56B74-080E-4B5F-9FC6-14C2AADA9F3A}" type="datetimeFigureOut">
               <a:rPr lang="en-US" smtClean="0"/>
-              <a:t>1/7/21</a:t>
+              <a:t>5/3/21</a:t>
             </a:fld>
             <a:endParaRPr lang="en-US"/>
           </a:p>
@@ -1988,7 +1988,7 @@
           <a:p>
             <a:fld id="{17C56B74-080E-4B5F-9FC6-14C2AADA9F3A}" type="datetimeFigureOut">
               <a:rPr lang="en-US" smtClean="0"/>
-              <a:t>1/7/21</a:t>
+              <a:t>5/3/21</a:t>
             </a:fld>
             <a:endParaRPr lang="en-US"/>
           </a:p>
@@ -2263,7 +2263,7 @@
           <a:p>
             <a:fld id="{17C56B74-080E-4B5F-9FC6-14C2AADA9F3A}" type="datetimeFigureOut">
               <a:rPr lang="en-US" smtClean="0"/>
-              <a:t>1/7/21</a:t>
+              <a:t>5/3/21</a:t>
             </a:fld>
             <a:endParaRPr lang="en-US"/>
           </a:p>
@@ -2515,7 +2515,7 @@
           <a:p>
             <a:fld id="{17C56B74-080E-4B5F-9FC6-14C2AADA9F3A}" type="datetimeFigureOut">
               <a:rPr lang="en-US" smtClean="0"/>
-              <a:t>1/7/21</a:t>
+              <a:t>5/3/21</a:t>
             </a:fld>
             <a:endParaRPr lang="en-US"/>
           </a:p>
@@ -2726,7 +2726,7 @@
           <a:p>
             <a:fld id="{17C56B74-080E-4B5F-9FC6-14C2AADA9F3A}" type="datetimeFigureOut">
               <a:rPr lang="en-US" smtClean="0"/>
-              <a:t>1/7/21</a:t>
+              <a:t>5/3/21</a:t>
             </a:fld>
             <a:endParaRPr lang="en-US"/>
           </a:p>
@@ -3162,9 +3162,10 @@
           </a:p>
           <a:p>
             <a:r>
-              <a:rPr lang="en-US" dirty="0"/>
-              <a:t>SER 2020</a:t>
-            </a:r>
+              <a:rPr lang="en-US"/>
+              <a:t>SER 2021</a:t>
+            </a:r>
+            <a:endParaRPr lang="en-US" dirty="0"/>
           </a:p>
           <a:p>
             <a:endParaRPr lang="en-US" dirty="0"/>
@@ -3206,14 +3207,14 @@
           </a:ln>
           <a:extLst>
             <a:ext uri="{909E8E84-426E-40dd-AFC4-6F175D3DCCD1}">
-              <a14:hiddenFill xmlns:a14="http://schemas.microsoft.com/office/drawing/2010/main" xmlns="">
+              <a14:hiddenFill xmlns="" xmlns:a14="http://schemas.microsoft.com/office/drawing/2010/main">
                 <a:solidFill>
                   <a:schemeClr val="accent1"/>
                 </a:solidFill>
               </a14:hiddenFill>
             </a:ext>
             <a:ext uri="{91240B29-F687-4f45-9708-019B960494DF}">
-              <a14:hiddenLine xmlns:a14="http://schemas.microsoft.com/office/drawing/2010/main" xmlns="" w="9525">
+              <a14:hiddenLine xmlns="" xmlns:a14="http://schemas.microsoft.com/office/drawing/2010/main" w="9525">
                 <a:solidFill>
                   <a:schemeClr val="tx1"/>
                 </a:solidFill>
@@ -3260,14 +3261,14 @@
           </a:ln>
           <a:extLst>
             <a:ext uri="{909E8E84-426E-40dd-AFC4-6F175D3DCCD1}">
-              <a14:hiddenFill xmlns:a14="http://schemas.microsoft.com/office/drawing/2010/main" xmlns="">
+              <a14:hiddenFill xmlns="" xmlns:a14="http://schemas.microsoft.com/office/drawing/2010/main">
                 <a:solidFill>
                   <a:schemeClr val="accent1"/>
                 </a:solidFill>
               </a14:hiddenFill>
             </a:ext>
             <a:ext uri="{91240B29-F687-4f45-9708-019B960494DF}">
-              <a14:hiddenLine xmlns:a14="http://schemas.microsoft.com/office/drawing/2010/main" xmlns="" w="9525">
+              <a14:hiddenLine xmlns="" xmlns:a14="http://schemas.microsoft.com/office/drawing/2010/main" w="9525">
                 <a:solidFill>
                   <a:schemeClr val="tx1"/>
                 </a:solidFill>
@@ -3461,14 +3462,14 @@
           <a:effectLst/>
           <a:extLst>
             <a:ext uri="{909E8E84-426E-40dd-AFC4-6F175D3DCCD1}">
-              <a14:hiddenFill xmlns:a14="http://schemas.microsoft.com/office/drawing/2010/main" xmlns="">
+              <a14:hiddenFill xmlns="" xmlns:a14="http://schemas.microsoft.com/office/drawing/2010/main">
                 <a:solidFill>
                   <a:schemeClr val="accent1"/>
                 </a:solidFill>
               </a14:hiddenFill>
             </a:ext>
             <a:ext uri="{91240B29-F687-4f45-9708-019B960494DF}">
-              <a14:hiddenLine xmlns:a14="http://schemas.microsoft.com/office/drawing/2010/main" xmlns="" w="9525">
+              <a14:hiddenLine xmlns="" xmlns:a14="http://schemas.microsoft.com/office/drawing/2010/main" w="9525">
                 <a:solidFill>
                   <a:schemeClr val="tx1"/>
                 </a:solidFill>
@@ -3478,7 +3479,7 @@
               </a14:hiddenLine>
             </a:ext>
             <a:ext uri="{AF507438-7753-43e0-B8FC-AC1667EBCBE1}">
-              <a14:hiddenEffects xmlns:a14="http://schemas.microsoft.com/office/drawing/2010/main" xmlns="">
+              <a14:hiddenEffects xmlns="" xmlns:a14="http://schemas.microsoft.com/office/drawing/2010/main">
                 <a:effectLst>
                   <a:outerShdw dist="35921" dir="2700000" algn="ctr" rotWithShape="0">
                     <a:schemeClr val="bg2"/>
@@ -3666,14 +3667,14 @@
           <a:effectLst/>
           <a:extLst>
             <a:ext uri="{909E8E84-426E-40dd-AFC4-6F175D3DCCD1}">
-              <a14:hiddenFill xmlns:a14="http://schemas.microsoft.com/office/drawing/2010/main" xmlns="">
+              <a14:hiddenFill xmlns="" xmlns:a14="http://schemas.microsoft.com/office/drawing/2010/main">
                 <a:solidFill>
                   <a:schemeClr val="accent1"/>
                 </a:solidFill>
               </a14:hiddenFill>
             </a:ext>
             <a:ext uri="{91240B29-F687-4f45-9708-019B960494DF}">
-              <a14:hiddenLine xmlns:a14="http://schemas.microsoft.com/office/drawing/2010/main" xmlns="" w="9525">
+              <a14:hiddenLine xmlns="" xmlns:a14="http://schemas.microsoft.com/office/drawing/2010/main" w="9525">
                 <a:solidFill>
                   <a:schemeClr val="tx1"/>
                 </a:solidFill>
@@ -3683,7 +3684,7 @@
               </a14:hiddenLine>
             </a:ext>
             <a:ext uri="{AF507438-7753-43e0-B8FC-AC1667EBCBE1}">
-              <a14:hiddenEffects xmlns:a14="http://schemas.microsoft.com/office/drawing/2010/main" xmlns="">
+              <a14:hiddenEffects xmlns="" xmlns:a14="http://schemas.microsoft.com/office/drawing/2010/main">
                 <a:effectLst>
                   <a:outerShdw dist="35921" dir="2700000" algn="ctr" rotWithShape="0">
                     <a:schemeClr val="bg2"/>
@@ -3800,14 +3801,14 @@
           </a:ln>
           <a:extLst>
             <a:ext uri="{909E8E84-426E-40dd-AFC4-6F175D3DCCD1}">
-              <a14:hiddenFill xmlns:a14="http://schemas.microsoft.com/office/drawing/2010/main" xmlns="">
+              <a14:hiddenFill xmlns="" xmlns:a14="http://schemas.microsoft.com/office/drawing/2010/main">
                 <a:solidFill>
                   <a:schemeClr val="accent1"/>
                 </a:solidFill>
               </a14:hiddenFill>
             </a:ext>
             <a:ext uri="{91240B29-F687-4f45-9708-019B960494DF}">
-              <a14:hiddenLine xmlns:a14="http://schemas.microsoft.com/office/drawing/2010/main" xmlns="" w="9525">
+              <a14:hiddenLine xmlns="" xmlns:a14="http://schemas.microsoft.com/office/drawing/2010/main" w="9525">
                 <a:solidFill>
                   <a:schemeClr val="tx1"/>
                 </a:solidFill>
@@ -3851,7 +3852,7 @@
           <a:noFill/>
           <a:extLst>
             <a:ext uri="{909E8E84-426E-40dd-AFC4-6F175D3DCCD1}">
-              <a14:hiddenFill xmlns:a14="http://schemas.microsoft.com/office/drawing/2010/main" xmlns="">
+              <a14:hiddenFill xmlns="" xmlns:a14="http://schemas.microsoft.com/office/drawing/2010/main">
                 <a:solidFill>
                   <a:srgbClr val="FFFFFF"/>
                 </a:solidFill>
@@ -4022,14 +4023,14 @@
           </a:ln>
           <a:extLst>
             <a:ext uri="{909E8E84-426E-40dd-AFC4-6F175D3DCCD1}">
-              <a14:hiddenFill xmlns:a14="http://schemas.microsoft.com/office/drawing/2010/main" xmlns="">
+              <a14:hiddenFill xmlns="" xmlns:a14="http://schemas.microsoft.com/office/drawing/2010/main">
                 <a:solidFill>
                   <a:schemeClr val="accent1"/>
                 </a:solidFill>
               </a14:hiddenFill>
             </a:ext>
             <a:ext uri="{91240B29-F687-4f45-9708-019B960494DF}">
-              <a14:hiddenLine xmlns:a14="http://schemas.microsoft.com/office/drawing/2010/main" xmlns="" w="9525">
+              <a14:hiddenLine xmlns="" xmlns:a14="http://schemas.microsoft.com/office/drawing/2010/main" w="9525">
                 <a:solidFill>
                   <a:schemeClr val="tx1"/>
                 </a:solidFill>
@@ -4310,14 +4311,14 @@
           <a:effectLst/>
           <a:extLst>
             <a:ext uri="{909E8E84-426E-40dd-AFC4-6F175D3DCCD1}">
-              <a14:hiddenFill xmlns:a14="http://schemas.microsoft.com/office/drawing/2010/main" xmlns="">
+              <a14:hiddenFill xmlns="" xmlns:a14="http://schemas.microsoft.com/office/drawing/2010/main">
                 <a:solidFill>
                   <a:schemeClr val="accent1"/>
                 </a:solidFill>
               </a14:hiddenFill>
             </a:ext>
             <a:ext uri="{91240B29-F687-4f45-9708-019B960494DF}">
-              <a14:hiddenLine xmlns:a14="http://schemas.microsoft.com/office/drawing/2010/main" xmlns="" w="9525">
+              <a14:hiddenLine xmlns="" xmlns:a14="http://schemas.microsoft.com/office/drawing/2010/main" w="9525">
                 <a:solidFill>
                   <a:schemeClr val="tx1"/>
                 </a:solidFill>
@@ -4327,7 +4328,7 @@
               </a14:hiddenLine>
             </a:ext>
             <a:ext uri="{AF507438-7753-43e0-B8FC-AC1667EBCBE1}">
-              <a14:hiddenEffects xmlns:a14="http://schemas.microsoft.com/office/drawing/2010/main" xmlns="">
+              <a14:hiddenEffects xmlns="" xmlns:a14="http://schemas.microsoft.com/office/drawing/2010/main">
                 <a:effectLst>
                   <a:outerShdw dist="35921" dir="2700000" algn="ctr" rotWithShape="0">
                     <a:schemeClr val="bg2"/>
@@ -4548,14 +4549,14 @@
           <a:effectLst/>
           <a:extLst>
             <a:ext uri="{909E8E84-426E-40dd-AFC4-6F175D3DCCD1}">
-              <a14:hiddenFill xmlns:a14="http://schemas.microsoft.com/office/drawing/2010/main" xmlns="">
+              <a14:hiddenFill xmlns="" xmlns:a14="http://schemas.microsoft.com/office/drawing/2010/main">
                 <a:solidFill>
                   <a:schemeClr val="accent1"/>
                 </a:solidFill>
               </a14:hiddenFill>
             </a:ext>
             <a:ext uri="{91240B29-F687-4f45-9708-019B960494DF}">
-              <a14:hiddenLine xmlns:a14="http://schemas.microsoft.com/office/drawing/2010/main" xmlns="" w="9525">
+              <a14:hiddenLine xmlns="" xmlns:a14="http://schemas.microsoft.com/office/drawing/2010/main" w="9525">
                 <a:solidFill>
                   <a:schemeClr val="tx1"/>
                 </a:solidFill>
@@ -4565,7 +4566,7 @@
               </a14:hiddenLine>
             </a:ext>
             <a:ext uri="{AF507438-7753-43e0-B8FC-AC1667EBCBE1}">
-              <a14:hiddenEffects xmlns:a14="http://schemas.microsoft.com/office/drawing/2010/main" xmlns="">
+              <a14:hiddenEffects xmlns="" xmlns:a14="http://schemas.microsoft.com/office/drawing/2010/main">
                 <a:effectLst>
                   <a:outerShdw dist="35921" dir="2700000" algn="ctr" rotWithShape="0">
                     <a:schemeClr val="bg2"/>
@@ -4724,14 +4725,14 @@
           <a:effectLst/>
           <a:extLst>
             <a:ext uri="{909E8E84-426E-40dd-AFC4-6F175D3DCCD1}">
-              <a14:hiddenFill xmlns:a14="http://schemas.microsoft.com/office/drawing/2010/main" xmlns="">
+              <a14:hiddenFill xmlns="" xmlns:a14="http://schemas.microsoft.com/office/drawing/2010/main">
                 <a:solidFill>
                   <a:schemeClr val="accent1"/>
                 </a:solidFill>
               </a14:hiddenFill>
             </a:ext>
             <a:ext uri="{91240B29-F687-4f45-9708-019B960494DF}">
-              <a14:hiddenLine xmlns:a14="http://schemas.microsoft.com/office/drawing/2010/main" xmlns="" w="9525">
+              <a14:hiddenLine xmlns="" xmlns:a14="http://schemas.microsoft.com/office/drawing/2010/main" w="9525">
                 <a:solidFill>
                   <a:schemeClr val="tx1"/>
                 </a:solidFill>
@@ -4741,7 +4742,7 @@
               </a14:hiddenLine>
             </a:ext>
             <a:ext uri="{AF507438-7753-43e0-B8FC-AC1667EBCBE1}">
-              <a14:hiddenEffects xmlns:a14="http://schemas.microsoft.com/office/drawing/2010/main" xmlns="">
+              <a14:hiddenEffects xmlns="" xmlns:a14="http://schemas.microsoft.com/office/drawing/2010/main">
                 <a:effectLst>
                   <a:outerShdw dist="35921" dir="2700000" algn="ctr" rotWithShape="0">
                     <a:schemeClr val="bg2"/>
@@ -4948,14 +4949,14 @@
           <a:effectLst/>
           <a:extLst>
             <a:ext uri="{909E8E84-426E-40dd-AFC4-6F175D3DCCD1}">
-              <a14:hiddenFill xmlns:a14="http://schemas.microsoft.com/office/drawing/2010/main" xmlns="">
+              <a14:hiddenFill xmlns="" xmlns:a14="http://schemas.microsoft.com/office/drawing/2010/main">
                 <a:solidFill>
                   <a:schemeClr val="accent1"/>
                 </a:solidFill>
               </a14:hiddenFill>
             </a:ext>
             <a:ext uri="{91240B29-F687-4f45-9708-019B960494DF}">
-              <a14:hiddenLine xmlns:a14="http://schemas.microsoft.com/office/drawing/2010/main" xmlns="" w="9525">
+              <a14:hiddenLine xmlns="" xmlns:a14="http://schemas.microsoft.com/office/drawing/2010/main" w="9525">
                 <a:solidFill>
                   <a:schemeClr val="tx1"/>
                 </a:solidFill>
@@ -4965,7 +4966,7 @@
               </a14:hiddenLine>
             </a:ext>
             <a:ext uri="{AF507438-7753-43e0-B8FC-AC1667EBCBE1}">
-              <a14:hiddenEffects xmlns:a14="http://schemas.microsoft.com/office/drawing/2010/main" xmlns="">
+              <a14:hiddenEffects xmlns="" xmlns:a14="http://schemas.microsoft.com/office/drawing/2010/main">
                 <a:effectLst>
                   <a:outerShdw dist="35921" dir="2700000" algn="ctr" rotWithShape="0">
                     <a:schemeClr val="bg2"/>
@@ -5104,14 +5105,14 @@
           <a:effectLst/>
           <a:extLst>
             <a:ext uri="{909E8E84-426E-40dd-AFC4-6F175D3DCCD1}">
-              <a14:hiddenFill xmlns:a14="http://schemas.microsoft.com/office/drawing/2010/main" xmlns="">
+              <a14:hiddenFill xmlns="" xmlns:a14="http://schemas.microsoft.com/office/drawing/2010/main">
                 <a:solidFill>
                   <a:schemeClr val="accent1"/>
                 </a:solidFill>
               </a14:hiddenFill>
             </a:ext>
             <a:ext uri="{91240B29-F687-4f45-9708-019B960494DF}">
-              <a14:hiddenLine xmlns:a14="http://schemas.microsoft.com/office/drawing/2010/main" xmlns="" w="9525">
+              <a14:hiddenLine xmlns="" xmlns:a14="http://schemas.microsoft.com/office/drawing/2010/main" w="9525">
                 <a:solidFill>
                   <a:schemeClr val="tx1"/>
                 </a:solidFill>
@@ -5121,7 +5122,7 @@
               </a14:hiddenLine>
             </a:ext>
             <a:ext uri="{AF507438-7753-43e0-B8FC-AC1667EBCBE1}">
-              <a14:hiddenEffects xmlns:a14="http://schemas.microsoft.com/office/drawing/2010/main" xmlns="">
+              <a14:hiddenEffects xmlns="" xmlns:a14="http://schemas.microsoft.com/office/drawing/2010/main">
                 <a:effectLst>
                   <a:outerShdw dist="35921" dir="2700000" algn="ctr" rotWithShape="0">
                     <a:schemeClr val="bg2"/>
@@ -5342,14 +5343,14 @@
           <a:effectLst/>
           <a:extLst>
             <a:ext uri="{909E8E84-426E-40dd-AFC4-6F175D3DCCD1}">
-              <a14:hiddenFill xmlns:a14="http://schemas.microsoft.com/office/drawing/2010/main" xmlns="">
+              <a14:hiddenFill xmlns="" xmlns:a14="http://schemas.microsoft.com/office/drawing/2010/main">
                 <a:solidFill>
                   <a:schemeClr val="accent1"/>
                 </a:solidFill>
               </a14:hiddenFill>
             </a:ext>
             <a:ext uri="{91240B29-F687-4f45-9708-019B960494DF}">
-              <a14:hiddenLine xmlns:a14="http://schemas.microsoft.com/office/drawing/2010/main" xmlns="" w="9525">
+              <a14:hiddenLine xmlns="" xmlns:a14="http://schemas.microsoft.com/office/drawing/2010/main" w="9525">
                 <a:solidFill>
                   <a:schemeClr val="tx1"/>
                 </a:solidFill>
@@ -5359,7 +5360,7 @@
               </a14:hiddenLine>
             </a:ext>
             <a:ext uri="{AF507438-7753-43e0-B8FC-AC1667EBCBE1}">
-              <a14:hiddenEffects xmlns:a14="http://schemas.microsoft.com/office/drawing/2010/main" xmlns="">
+              <a14:hiddenEffects xmlns="" xmlns:a14="http://schemas.microsoft.com/office/drawing/2010/main">
                 <a:effectLst>
                   <a:outerShdw dist="35921" dir="2700000" algn="ctr" rotWithShape="0">
                     <a:schemeClr val="bg2"/>
@@ -5489,14 +5490,14 @@
           <a:effectLst/>
           <a:extLst>
             <a:ext uri="{909E8E84-426E-40dd-AFC4-6F175D3DCCD1}">
-              <a14:hiddenFill xmlns:a14="http://schemas.microsoft.com/office/drawing/2010/main" xmlns="">
+              <a14:hiddenFill xmlns="" xmlns:a14="http://schemas.microsoft.com/office/drawing/2010/main">
                 <a:solidFill>
                   <a:schemeClr val="accent1"/>
                 </a:solidFill>
               </a14:hiddenFill>
             </a:ext>
             <a:ext uri="{91240B29-F687-4f45-9708-019B960494DF}">
-              <a14:hiddenLine xmlns:a14="http://schemas.microsoft.com/office/drawing/2010/main" xmlns="" w="9525">
+              <a14:hiddenLine xmlns="" xmlns:a14="http://schemas.microsoft.com/office/drawing/2010/main" w="9525">
                 <a:solidFill>
                   <a:schemeClr val="tx1"/>
                 </a:solidFill>
@@ -5506,7 +5507,7 @@
               </a14:hiddenLine>
             </a:ext>
             <a:ext uri="{AF507438-7753-43e0-B8FC-AC1667EBCBE1}">
-              <a14:hiddenEffects xmlns:a14="http://schemas.microsoft.com/office/drawing/2010/main" xmlns="">
+              <a14:hiddenEffects xmlns="" xmlns:a14="http://schemas.microsoft.com/office/drawing/2010/main">
                 <a:effectLst>
                   <a:outerShdw dist="35921" dir="2700000" algn="ctr" rotWithShape="0">
                     <a:schemeClr val="bg2"/>
